--- a/Week16/02 Dog Rescue - Insert Location Test.pptx
+++ b/Week16/02 Dog Rescue - Insert Location Test.pptx
@@ -121,6 +121,125 @@
 </p:presentation>
 </file>
 
+<file path=ppt/changesInfos/changesInfo1.xml><?xml version="1.0" encoding="utf-8"?>
+<pc:chgInfo xmlns:a="http://schemas.openxmlformats.org/drawingml/2006/main" xmlns:r="http://schemas.openxmlformats.org/officeDocument/2006/relationships" xmlns:ac="http://schemas.microsoft.com/office/drawing/2013/main/command" xmlns:pc="http://schemas.microsoft.com/office/powerpoint/2013/main/command">
+  <pc:docChgLst>
+    <pc:chgData name="Chuck Kiefriter" userId="a996b49251c4dfd2" providerId="LiveId" clId="{AC84A542-7A82-47CE-B126-DEB776FE1EE3}"/>
+    <pc:docChg chg="custSel modSld">
+      <pc:chgData name="Chuck Kiefriter" userId="a996b49251c4dfd2" providerId="LiveId" clId="{AC84A542-7A82-47CE-B126-DEB776FE1EE3}" dt="2024-04-02T23:54:01.241" v="7" actId="14100"/>
+      <pc:docMkLst>
+        <pc:docMk/>
+      </pc:docMkLst>
+      <pc:sldChg chg="modSp mod">
+        <pc:chgData name="Chuck Kiefriter" userId="a996b49251c4dfd2" providerId="LiveId" clId="{AC84A542-7A82-47CE-B126-DEB776FE1EE3}" dt="2024-04-02T23:53:31.408" v="5" actId="14100"/>
+        <pc:sldMkLst>
+          <pc:docMk/>
+          <pc:sldMk cId="954056087" sldId="257"/>
+        </pc:sldMkLst>
+        <pc:spChg chg="mod">
+          <ac:chgData name="Chuck Kiefriter" userId="a996b49251c4dfd2" providerId="LiveId" clId="{AC84A542-7A82-47CE-B126-DEB776FE1EE3}" dt="2024-04-02T23:53:31.408" v="5" actId="14100"/>
+          <ac:spMkLst>
+            <pc:docMk/>
+            <pc:sldMk cId="954056087" sldId="257"/>
+            <ac:spMk id="3" creationId="{8AF9282F-22F1-0066-FB64-01C7E024AC1E}"/>
+          </ac:spMkLst>
+        </pc:spChg>
+      </pc:sldChg>
+      <pc:sldChg chg="modSp mod">
+        <pc:chgData name="Chuck Kiefriter" userId="a996b49251c4dfd2" providerId="LiveId" clId="{AC84A542-7A82-47CE-B126-DEB776FE1EE3}" dt="2024-04-02T23:53:52.774" v="6" actId="14100"/>
+        <pc:sldMkLst>
+          <pc:docMk/>
+          <pc:sldMk cId="1617823317" sldId="258"/>
+        </pc:sldMkLst>
+        <pc:spChg chg="mod">
+          <ac:chgData name="Chuck Kiefriter" userId="a996b49251c4dfd2" providerId="LiveId" clId="{AC84A542-7A82-47CE-B126-DEB776FE1EE3}" dt="2024-04-02T23:53:52.774" v="6" actId="14100"/>
+          <ac:spMkLst>
+            <pc:docMk/>
+            <pc:sldMk cId="1617823317" sldId="258"/>
+            <ac:spMk id="3" creationId="{37FEFD06-134F-D5B5-4704-3820CEC88865}"/>
+          </ac:spMkLst>
+        </pc:spChg>
+      </pc:sldChg>
+      <pc:sldChg chg="modSp mod">
+        <pc:chgData name="Chuck Kiefriter" userId="a996b49251c4dfd2" providerId="LiveId" clId="{AC84A542-7A82-47CE-B126-DEB776FE1EE3}" dt="2024-04-02T23:54:01.241" v="7" actId="14100"/>
+        <pc:sldMkLst>
+          <pc:docMk/>
+          <pc:sldMk cId="2599842273" sldId="259"/>
+        </pc:sldMkLst>
+        <pc:spChg chg="mod">
+          <ac:chgData name="Chuck Kiefriter" userId="a996b49251c4dfd2" providerId="LiveId" clId="{AC84A542-7A82-47CE-B126-DEB776FE1EE3}" dt="2024-04-02T23:54:01.241" v="7" actId="14100"/>
+          <ac:spMkLst>
+            <pc:docMk/>
+            <pc:sldMk cId="2599842273" sldId="259"/>
+            <ac:spMk id="3" creationId="{20900985-A2B4-8FE0-4EB4-DE34E85ECC27}"/>
+          </ac:spMkLst>
+        </pc:spChg>
+      </pc:sldChg>
+      <pc:sldChg chg="modSp mod">
+        <pc:chgData name="Chuck Kiefriter" userId="a996b49251c4dfd2" providerId="LiveId" clId="{AC84A542-7A82-47CE-B126-DEB776FE1EE3}" dt="2024-04-02T21:37:44.621" v="0" actId="14100"/>
+        <pc:sldMkLst>
+          <pc:docMk/>
+          <pc:sldMk cId="2034975606" sldId="261"/>
+        </pc:sldMkLst>
+        <pc:spChg chg="mod">
+          <ac:chgData name="Chuck Kiefriter" userId="a996b49251c4dfd2" providerId="LiveId" clId="{AC84A542-7A82-47CE-B126-DEB776FE1EE3}" dt="2024-04-02T21:37:44.621" v="0" actId="14100"/>
+          <ac:spMkLst>
+            <pc:docMk/>
+            <pc:sldMk cId="2034975606" sldId="261"/>
+            <ac:spMk id="3" creationId="{FFEE5429-5D47-9854-33F4-C91EF1B26E1C}"/>
+          </ac:spMkLst>
+        </pc:spChg>
+      </pc:sldChg>
+      <pc:sldChg chg="modSp mod">
+        <pc:chgData name="Chuck Kiefriter" userId="a996b49251c4dfd2" providerId="LiveId" clId="{AC84A542-7A82-47CE-B126-DEB776FE1EE3}" dt="2024-04-02T21:38:10.987" v="2" actId="27636"/>
+        <pc:sldMkLst>
+          <pc:docMk/>
+          <pc:sldMk cId="712400355" sldId="262"/>
+        </pc:sldMkLst>
+        <pc:spChg chg="mod">
+          <ac:chgData name="Chuck Kiefriter" userId="a996b49251c4dfd2" providerId="LiveId" clId="{AC84A542-7A82-47CE-B126-DEB776FE1EE3}" dt="2024-04-02T21:38:10.987" v="2" actId="27636"/>
+          <ac:spMkLst>
+            <pc:docMk/>
+            <pc:sldMk cId="712400355" sldId="262"/>
+            <ac:spMk id="3" creationId="{FACEA9AF-4184-6480-0CCC-14D3BE5FE575}"/>
+          </ac:spMkLst>
+        </pc:spChg>
+      </pc:sldChg>
+      <pc:sldChg chg="modSp mod">
+        <pc:chgData name="Chuck Kiefriter" userId="a996b49251c4dfd2" providerId="LiveId" clId="{AC84A542-7A82-47CE-B126-DEB776FE1EE3}" dt="2024-04-02T21:38:35.457" v="3" actId="14100"/>
+        <pc:sldMkLst>
+          <pc:docMk/>
+          <pc:sldMk cId="2652579768" sldId="263"/>
+        </pc:sldMkLst>
+        <pc:spChg chg="mod">
+          <ac:chgData name="Chuck Kiefriter" userId="a996b49251c4dfd2" providerId="LiveId" clId="{AC84A542-7A82-47CE-B126-DEB776FE1EE3}" dt="2024-04-02T21:38:35.457" v="3" actId="14100"/>
+          <ac:spMkLst>
+            <pc:docMk/>
+            <pc:sldMk cId="2652579768" sldId="263"/>
+            <ac:spMk id="3" creationId="{BB2F6409-6E3E-557E-B8AA-EB55B7BCCF0C}"/>
+          </ac:spMkLst>
+        </pc:spChg>
+      </pc:sldChg>
+      <pc:sldChg chg="modSp mod">
+        <pc:chgData name="Chuck Kiefriter" userId="a996b49251c4dfd2" providerId="LiveId" clId="{AC84A542-7A82-47CE-B126-DEB776FE1EE3}" dt="2024-04-02T21:38:55.103" v="4" actId="14100"/>
+        <pc:sldMkLst>
+          <pc:docMk/>
+          <pc:sldMk cId="2526737143" sldId="265"/>
+        </pc:sldMkLst>
+        <pc:spChg chg="mod">
+          <ac:chgData name="Chuck Kiefriter" userId="a996b49251c4dfd2" providerId="LiveId" clId="{AC84A542-7A82-47CE-B126-DEB776FE1EE3}" dt="2024-04-02T21:38:55.103" v="4" actId="14100"/>
+          <ac:spMkLst>
+            <pc:docMk/>
+            <pc:sldMk cId="2526737143" sldId="265"/>
+            <ac:spMk id="3" creationId="{85D66E4C-4D21-948A-BA5E-EB477F5F5536}"/>
+          </ac:spMkLst>
+        </pc:spChg>
+      </pc:sldChg>
+    </pc:docChg>
+  </pc:docChgLst>
+</pc:chgInfo>
+</file>
+
 <file path=ppt/slideLayouts/slideLayout1.xml><?xml version="1.0" encoding="utf-8"?>
 <p:sldLayout xmlns:a="http://schemas.openxmlformats.org/drawingml/2006/main" xmlns:r="http://schemas.openxmlformats.org/officeDocument/2006/relationships" xmlns:p="http://schemas.openxmlformats.org/presentationml/2006/main" type="title" preserve="1">
   <p:cSld name="Title Slide">
@@ -252,7 +371,7 @@
           <a:p>
             <a:fld id="{802A9CC3-E314-44EE-86B0-4E7CCBF25E9E}" type="datetimeFigureOut">
               <a:rPr lang="en-US" smtClean="0"/>
-              <a:t>1/21/2023</a:t>
+              <a:t>4/2/2024</a:t>
             </a:fld>
             <a:endParaRPr lang="en-US"/>
           </a:p>
@@ -422,7 +541,7 @@
           <a:p>
             <a:fld id="{802A9CC3-E314-44EE-86B0-4E7CCBF25E9E}" type="datetimeFigureOut">
               <a:rPr lang="en-US" smtClean="0"/>
-              <a:t>1/21/2023</a:t>
+              <a:t>4/2/2024</a:t>
             </a:fld>
             <a:endParaRPr lang="en-US"/>
           </a:p>
@@ -602,7 +721,7 @@
           <a:p>
             <a:fld id="{802A9CC3-E314-44EE-86B0-4E7CCBF25E9E}" type="datetimeFigureOut">
               <a:rPr lang="en-US" smtClean="0"/>
-              <a:t>1/21/2023</a:t>
+              <a:t>4/2/2024</a:t>
             </a:fld>
             <a:endParaRPr lang="en-US"/>
           </a:p>
@@ -772,7 +891,7 @@
           <a:p>
             <a:fld id="{802A9CC3-E314-44EE-86B0-4E7CCBF25E9E}" type="datetimeFigureOut">
               <a:rPr lang="en-US" smtClean="0"/>
-              <a:t>1/21/2023</a:t>
+              <a:t>4/2/2024</a:t>
             </a:fld>
             <a:endParaRPr lang="en-US"/>
           </a:p>
@@ -1018,7 +1137,7 @@
           <a:p>
             <a:fld id="{802A9CC3-E314-44EE-86B0-4E7CCBF25E9E}" type="datetimeFigureOut">
               <a:rPr lang="en-US" smtClean="0"/>
-              <a:t>1/21/2023</a:t>
+              <a:t>4/2/2024</a:t>
             </a:fld>
             <a:endParaRPr lang="en-US"/>
           </a:p>
@@ -1250,7 +1369,7 @@
           <a:p>
             <a:fld id="{802A9CC3-E314-44EE-86B0-4E7CCBF25E9E}" type="datetimeFigureOut">
               <a:rPr lang="en-US" smtClean="0"/>
-              <a:t>1/21/2023</a:t>
+              <a:t>4/2/2024</a:t>
             </a:fld>
             <a:endParaRPr lang="en-US"/>
           </a:p>
@@ -1617,7 +1736,7 @@
           <a:p>
             <a:fld id="{802A9CC3-E314-44EE-86B0-4E7CCBF25E9E}" type="datetimeFigureOut">
               <a:rPr lang="en-US" smtClean="0"/>
-              <a:t>1/21/2023</a:t>
+              <a:t>4/2/2024</a:t>
             </a:fld>
             <a:endParaRPr lang="en-US"/>
           </a:p>
@@ -1735,7 +1854,7 @@
           <a:p>
             <a:fld id="{802A9CC3-E314-44EE-86B0-4E7CCBF25E9E}" type="datetimeFigureOut">
               <a:rPr lang="en-US" smtClean="0"/>
-              <a:t>1/21/2023</a:t>
+              <a:t>4/2/2024</a:t>
             </a:fld>
             <a:endParaRPr lang="en-US"/>
           </a:p>
@@ -1830,7 +1949,7 @@
           <a:p>
             <a:fld id="{802A9CC3-E314-44EE-86B0-4E7CCBF25E9E}" type="datetimeFigureOut">
               <a:rPr lang="en-US" smtClean="0"/>
-              <a:t>1/21/2023</a:t>
+              <a:t>4/2/2024</a:t>
             </a:fld>
             <a:endParaRPr lang="en-US"/>
           </a:p>
@@ -2107,7 +2226,7 @@
           <a:p>
             <a:fld id="{802A9CC3-E314-44EE-86B0-4E7CCBF25E9E}" type="datetimeFigureOut">
               <a:rPr lang="en-US" smtClean="0"/>
-              <a:t>1/21/2023</a:t>
+              <a:t>4/2/2024</a:t>
             </a:fld>
             <a:endParaRPr lang="en-US"/>
           </a:p>
@@ -2364,7 +2483,7 @@
           <a:p>
             <a:fld id="{802A9CC3-E314-44EE-86B0-4E7CCBF25E9E}" type="datetimeFigureOut">
               <a:rPr lang="en-US" smtClean="0"/>
-              <a:t>1/21/2023</a:t>
+              <a:t>4/2/2024</a:t>
             </a:fld>
             <a:endParaRPr lang="en-US"/>
           </a:p>
@@ -2577,7 +2696,7 @@
           <a:p>
             <a:fld id="{802A9CC3-E314-44EE-86B0-4E7CCBF25E9E}" type="datetimeFigureOut">
               <a:rPr lang="en-US" smtClean="0"/>
-              <a:t>1/21/2023</a:t>
+              <a:t>4/2/2024</a:t>
             </a:fld>
             <a:endParaRPr lang="en-US"/>
           </a:p>
@@ -3202,7 +3321,7 @@
         <p:spPr>
           <a:xfrm>
             <a:off x="838200" y="1690688"/>
-            <a:ext cx="5690937" cy="4486275"/>
+            <a:ext cx="10866120" cy="4486275"/>
           </a:xfrm>
         </p:spPr>
         <p:txBody>
@@ -3243,13 +3362,8 @@
             </a:r>
             <a:r>
               <a:rPr lang="en-US" dirty="0"/>
-              <a:t> (in-memory database) to store data for </a:t>
-            </a:r>
-            <a:r>
-              <a:rPr lang="en-US"/>
-              <a:t>the tests</a:t>
-            </a:r>
-            <a:endParaRPr lang="en-US" dirty="0"/>
+              <a:t> (in-memory database) to store data for the tests</a:t>
+            </a:r>
           </a:p>
           <a:p>
             <a:r>
@@ -3380,7 +3494,7 @@
         <p:spPr>
           <a:xfrm>
             <a:off x="838200" y="1825625"/>
-            <a:ext cx="6091989" cy="4351338"/>
+            <a:ext cx="11030712" cy="4351338"/>
           </a:xfrm>
         </p:spPr>
         <p:txBody>
@@ -3581,7 +3695,7 @@
         <p:spPr>
           <a:xfrm>
             <a:off x="838200" y="1825625"/>
-            <a:ext cx="6043863" cy="4351338"/>
+            <a:ext cx="10171176" cy="4351338"/>
           </a:xfrm>
         </p:spPr>
         <p:txBody>
@@ -3933,7 +4047,7 @@
         <p:spPr>
           <a:xfrm>
             <a:off x="838200" y="1825625"/>
-            <a:ext cx="6091989" cy="4351338"/>
+            <a:ext cx="10875264" cy="4351338"/>
           </a:xfrm>
         </p:spPr>
         <p:txBody>
@@ -4134,12 +4248,12 @@
         <p:spPr>
           <a:xfrm>
             <a:off x="838200" y="1825625"/>
-            <a:ext cx="5931568" cy="4351338"/>
+            <a:ext cx="10957560" cy="4351338"/>
           </a:xfrm>
         </p:spPr>
         <p:txBody>
           <a:bodyPr>
-            <a:normAutofit lnSpcReduction="10000"/>
+            <a:normAutofit/>
           </a:bodyPr>
           <a:lstStyle/>
           <a:p>
@@ -4183,13 +4297,8 @@
             </a:r>
             <a:r>
               <a:rPr lang="en-US" dirty="0"/>
-              <a:t> class for </a:t>
-            </a:r>
-            <a:r>
-              <a:rPr lang="en-US"/>
-              <a:t>the tests</a:t>
-            </a:r>
-            <a:endParaRPr lang="en-US" dirty="0"/>
+              <a:t> class for the tests</a:t>
+            </a:r>
           </a:p>
           <a:p>
             <a:r>
@@ -4349,7 +4458,7 @@
         <p:spPr>
           <a:xfrm>
             <a:off x="838199" y="1825625"/>
-            <a:ext cx="6525127" cy="4351338"/>
+            <a:ext cx="10783825" cy="4351338"/>
           </a:xfrm>
         </p:spPr>
         <p:txBody>
@@ -4563,7 +4672,7 @@
         <p:spPr>
           <a:xfrm>
             <a:off x="838200" y="1825625"/>
-            <a:ext cx="5787189" cy="4351338"/>
+            <a:ext cx="11067288" cy="4351338"/>
           </a:xfrm>
         </p:spPr>
         <p:txBody>

--- a/Week16/02 Dog Rescue - Insert Location Test.pptx
+++ b/Week16/02 Dog Rescue - Insert Location Test.pptx
@@ -136,14 +136,6 @@
           <pc:docMk/>
           <pc:sldMk cId="954056087" sldId="257"/>
         </pc:sldMkLst>
-        <pc:spChg chg="mod">
-          <ac:chgData name="Chuck Kiefriter" userId="a996b49251c4dfd2" providerId="LiveId" clId="{AC84A542-7A82-47CE-B126-DEB776FE1EE3}" dt="2024-04-02T23:53:31.408" v="5" actId="14100"/>
-          <ac:spMkLst>
-            <pc:docMk/>
-            <pc:sldMk cId="954056087" sldId="257"/>
-            <ac:spMk id="3" creationId="{8AF9282F-22F1-0066-FB64-01C7E024AC1E}"/>
-          </ac:spMkLst>
-        </pc:spChg>
       </pc:sldChg>
       <pc:sldChg chg="modSp mod">
         <pc:chgData name="Chuck Kiefriter" userId="a996b49251c4dfd2" providerId="LiveId" clId="{AC84A542-7A82-47CE-B126-DEB776FE1EE3}" dt="2024-04-02T23:53:52.774" v="6" actId="14100"/>
@@ -151,14 +143,6 @@
           <pc:docMk/>
           <pc:sldMk cId="1617823317" sldId="258"/>
         </pc:sldMkLst>
-        <pc:spChg chg="mod">
-          <ac:chgData name="Chuck Kiefriter" userId="a996b49251c4dfd2" providerId="LiveId" clId="{AC84A542-7A82-47CE-B126-DEB776FE1EE3}" dt="2024-04-02T23:53:52.774" v="6" actId="14100"/>
-          <ac:spMkLst>
-            <pc:docMk/>
-            <pc:sldMk cId="1617823317" sldId="258"/>
-            <ac:spMk id="3" creationId="{37FEFD06-134F-D5B5-4704-3820CEC88865}"/>
-          </ac:spMkLst>
-        </pc:spChg>
       </pc:sldChg>
       <pc:sldChg chg="modSp mod">
         <pc:chgData name="Chuck Kiefriter" userId="a996b49251c4dfd2" providerId="LiveId" clId="{AC84A542-7A82-47CE-B126-DEB776FE1EE3}" dt="2024-04-02T23:54:01.241" v="7" actId="14100"/>
@@ -166,14 +150,6 @@
           <pc:docMk/>
           <pc:sldMk cId="2599842273" sldId="259"/>
         </pc:sldMkLst>
-        <pc:spChg chg="mod">
-          <ac:chgData name="Chuck Kiefriter" userId="a996b49251c4dfd2" providerId="LiveId" clId="{AC84A542-7A82-47CE-B126-DEB776FE1EE3}" dt="2024-04-02T23:54:01.241" v="7" actId="14100"/>
-          <ac:spMkLst>
-            <pc:docMk/>
-            <pc:sldMk cId="2599842273" sldId="259"/>
-            <ac:spMk id="3" creationId="{20900985-A2B4-8FE0-4EB4-DE34E85ECC27}"/>
-          </ac:spMkLst>
-        </pc:spChg>
       </pc:sldChg>
       <pc:sldChg chg="modSp mod">
         <pc:chgData name="Chuck Kiefriter" userId="a996b49251c4dfd2" providerId="LiveId" clId="{AC84A542-7A82-47CE-B126-DEB776FE1EE3}" dt="2024-04-02T21:37:44.621" v="0" actId="14100"/>
@@ -181,14 +157,6 @@
           <pc:docMk/>
           <pc:sldMk cId="2034975606" sldId="261"/>
         </pc:sldMkLst>
-        <pc:spChg chg="mod">
-          <ac:chgData name="Chuck Kiefriter" userId="a996b49251c4dfd2" providerId="LiveId" clId="{AC84A542-7A82-47CE-B126-DEB776FE1EE3}" dt="2024-04-02T21:37:44.621" v="0" actId="14100"/>
-          <ac:spMkLst>
-            <pc:docMk/>
-            <pc:sldMk cId="2034975606" sldId="261"/>
-            <ac:spMk id="3" creationId="{FFEE5429-5D47-9854-33F4-C91EF1B26E1C}"/>
-          </ac:spMkLst>
-        </pc:spChg>
       </pc:sldChg>
       <pc:sldChg chg="modSp mod">
         <pc:chgData name="Chuck Kiefriter" userId="a996b49251c4dfd2" providerId="LiveId" clId="{AC84A542-7A82-47CE-B126-DEB776FE1EE3}" dt="2024-04-02T21:38:10.987" v="2" actId="27636"/>
@@ -196,14 +164,6 @@
           <pc:docMk/>
           <pc:sldMk cId="712400355" sldId="262"/>
         </pc:sldMkLst>
-        <pc:spChg chg="mod">
-          <ac:chgData name="Chuck Kiefriter" userId="a996b49251c4dfd2" providerId="LiveId" clId="{AC84A542-7A82-47CE-B126-DEB776FE1EE3}" dt="2024-04-02T21:38:10.987" v="2" actId="27636"/>
-          <ac:spMkLst>
-            <pc:docMk/>
-            <pc:sldMk cId="712400355" sldId="262"/>
-            <ac:spMk id="3" creationId="{FACEA9AF-4184-6480-0CCC-14D3BE5FE575}"/>
-          </ac:spMkLst>
-        </pc:spChg>
       </pc:sldChg>
       <pc:sldChg chg="modSp mod">
         <pc:chgData name="Chuck Kiefriter" userId="a996b49251c4dfd2" providerId="LiveId" clId="{AC84A542-7A82-47CE-B126-DEB776FE1EE3}" dt="2024-04-02T21:38:35.457" v="3" actId="14100"/>
@@ -211,14 +171,6 @@
           <pc:docMk/>
           <pc:sldMk cId="2652579768" sldId="263"/>
         </pc:sldMkLst>
-        <pc:spChg chg="mod">
-          <ac:chgData name="Chuck Kiefriter" userId="a996b49251c4dfd2" providerId="LiveId" clId="{AC84A542-7A82-47CE-B126-DEB776FE1EE3}" dt="2024-04-02T21:38:35.457" v="3" actId="14100"/>
-          <ac:spMkLst>
-            <pc:docMk/>
-            <pc:sldMk cId="2652579768" sldId="263"/>
-            <ac:spMk id="3" creationId="{BB2F6409-6E3E-557E-B8AA-EB55B7BCCF0C}"/>
-          </ac:spMkLst>
-        </pc:spChg>
       </pc:sldChg>
       <pc:sldChg chg="modSp mod">
         <pc:chgData name="Chuck Kiefriter" userId="a996b49251c4dfd2" providerId="LiveId" clId="{AC84A542-7A82-47CE-B126-DEB776FE1EE3}" dt="2024-04-02T21:38:55.103" v="4" actId="14100"/>
@@ -226,12 +178,28 @@
           <pc:docMk/>
           <pc:sldMk cId="2526737143" sldId="265"/>
         </pc:sldMkLst>
+      </pc:sldChg>
+    </pc:docChg>
+  </pc:docChgLst>
+  <pc:docChgLst>
+    <pc:chgData name="Chuck Kiefriter" userId="a996b49251c4dfd2" providerId="LiveId" clId="{F5675B8E-22A7-4522-AF3E-79E6EF082AA5}"/>
+    <pc:docChg chg="modSld">
+      <pc:chgData name="Chuck Kiefriter" userId="a996b49251c4dfd2" providerId="LiveId" clId="{F5675B8E-22A7-4522-AF3E-79E6EF082AA5}" dt="2025-04-01T19:02:02.842" v="2" actId="1036"/>
+      <pc:docMkLst>
+        <pc:docMk/>
+      </pc:docMkLst>
+      <pc:sldChg chg="modSp mod">
+        <pc:chgData name="Chuck Kiefriter" userId="a996b49251c4dfd2" providerId="LiveId" clId="{F5675B8E-22A7-4522-AF3E-79E6EF082AA5}" dt="2025-04-01T19:02:02.842" v="2" actId="1036"/>
+        <pc:sldMkLst>
+          <pc:docMk/>
+          <pc:sldMk cId="954056087" sldId="257"/>
+        </pc:sldMkLst>
         <pc:spChg chg="mod">
-          <ac:chgData name="Chuck Kiefriter" userId="a996b49251c4dfd2" providerId="LiveId" clId="{AC84A542-7A82-47CE-B126-DEB776FE1EE3}" dt="2024-04-02T21:38:55.103" v="4" actId="14100"/>
+          <ac:chgData name="Chuck Kiefriter" userId="a996b49251c4dfd2" providerId="LiveId" clId="{F5675B8E-22A7-4522-AF3E-79E6EF082AA5}" dt="2025-04-01T19:02:02.842" v="2" actId="1036"/>
           <ac:spMkLst>
             <pc:docMk/>
-            <pc:sldMk cId="2526737143" sldId="265"/>
-            <ac:spMk id="3" creationId="{85D66E4C-4D21-948A-BA5E-EB477F5F5536}"/>
+            <pc:sldMk cId="954056087" sldId="257"/>
+            <ac:spMk id="3" creationId="{8AF9282F-22F1-0066-FB64-01C7E024AC1E}"/>
           </ac:spMkLst>
         </pc:spChg>
       </pc:sldChg>
@@ -371,7 +339,7 @@
           <a:p>
             <a:fld id="{802A9CC3-E314-44EE-86B0-4E7CCBF25E9E}" type="datetimeFigureOut">
               <a:rPr lang="en-US" smtClean="0"/>
-              <a:t>4/2/2024</a:t>
+              <a:t>4/1/2025</a:t>
             </a:fld>
             <a:endParaRPr lang="en-US"/>
           </a:p>
@@ -541,7 +509,7 @@
           <a:p>
             <a:fld id="{802A9CC3-E314-44EE-86B0-4E7CCBF25E9E}" type="datetimeFigureOut">
               <a:rPr lang="en-US" smtClean="0"/>
-              <a:t>4/2/2024</a:t>
+              <a:t>4/1/2025</a:t>
             </a:fld>
             <a:endParaRPr lang="en-US"/>
           </a:p>
@@ -721,7 +689,7 @@
           <a:p>
             <a:fld id="{802A9CC3-E314-44EE-86B0-4E7CCBF25E9E}" type="datetimeFigureOut">
               <a:rPr lang="en-US" smtClean="0"/>
-              <a:t>4/2/2024</a:t>
+              <a:t>4/1/2025</a:t>
             </a:fld>
             <a:endParaRPr lang="en-US"/>
           </a:p>
@@ -891,7 +859,7 @@
           <a:p>
             <a:fld id="{802A9CC3-E314-44EE-86B0-4E7CCBF25E9E}" type="datetimeFigureOut">
               <a:rPr lang="en-US" smtClean="0"/>
-              <a:t>4/2/2024</a:t>
+              <a:t>4/1/2025</a:t>
             </a:fld>
             <a:endParaRPr lang="en-US"/>
           </a:p>
@@ -1137,7 +1105,7 @@
           <a:p>
             <a:fld id="{802A9CC3-E314-44EE-86B0-4E7CCBF25E9E}" type="datetimeFigureOut">
               <a:rPr lang="en-US" smtClean="0"/>
-              <a:t>4/2/2024</a:t>
+              <a:t>4/1/2025</a:t>
             </a:fld>
             <a:endParaRPr lang="en-US"/>
           </a:p>
@@ -1369,7 +1337,7 @@
           <a:p>
             <a:fld id="{802A9CC3-E314-44EE-86B0-4E7CCBF25E9E}" type="datetimeFigureOut">
               <a:rPr lang="en-US" smtClean="0"/>
-              <a:t>4/2/2024</a:t>
+              <a:t>4/1/2025</a:t>
             </a:fld>
             <a:endParaRPr lang="en-US"/>
           </a:p>
@@ -1736,7 +1704,7 @@
           <a:p>
             <a:fld id="{802A9CC3-E314-44EE-86B0-4E7CCBF25E9E}" type="datetimeFigureOut">
               <a:rPr lang="en-US" smtClean="0"/>
-              <a:t>4/2/2024</a:t>
+              <a:t>4/1/2025</a:t>
             </a:fld>
             <a:endParaRPr lang="en-US"/>
           </a:p>
@@ -1854,7 +1822,7 @@
           <a:p>
             <a:fld id="{802A9CC3-E314-44EE-86B0-4E7CCBF25E9E}" type="datetimeFigureOut">
               <a:rPr lang="en-US" smtClean="0"/>
-              <a:t>4/2/2024</a:t>
+              <a:t>4/1/2025</a:t>
             </a:fld>
             <a:endParaRPr lang="en-US"/>
           </a:p>
@@ -1949,7 +1917,7 @@
           <a:p>
             <a:fld id="{802A9CC3-E314-44EE-86B0-4E7CCBF25E9E}" type="datetimeFigureOut">
               <a:rPr lang="en-US" smtClean="0"/>
-              <a:t>4/2/2024</a:t>
+              <a:t>4/1/2025</a:t>
             </a:fld>
             <a:endParaRPr lang="en-US"/>
           </a:p>
@@ -2226,7 +2194,7 @@
           <a:p>
             <a:fld id="{802A9CC3-E314-44EE-86B0-4E7CCBF25E9E}" type="datetimeFigureOut">
               <a:rPr lang="en-US" smtClean="0"/>
-              <a:t>4/2/2024</a:t>
+              <a:t>4/1/2025</a:t>
             </a:fld>
             <a:endParaRPr lang="en-US"/>
           </a:p>
@@ -2483,7 +2451,7 @@
           <a:p>
             <a:fld id="{802A9CC3-E314-44EE-86B0-4E7CCBF25E9E}" type="datetimeFigureOut">
               <a:rPr lang="en-US" smtClean="0"/>
-              <a:t>4/2/2024</a:t>
+              <a:t>4/1/2025</a:t>
             </a:fld>
             <a:endParaRPr lang="en-US"/>
           </a:p>
@@ -2696,7 +2664,7 @@
           <a:p>
             <a:fld id="{802A9CC3-E314-44EE-86B0-4E7CCBF25E9E}" type="datetimeFigureOut">
               <a:rPr lang="en-US" smtClean="0"/>
-              <a:t>4/2/2024</a:t>
+              <a:t>4/1/2025</a:t>
             </a:fld>
             <a:endParaRPr lang="en-US"/>
           </a:p>
@@ -3320,7 +3288,7 @@
         </p:nvSpPr>
         <p:spPr>
           <a:xfrm>
-            <a:off x="838200" y="1690688"/>
+            <a:off x="838200" y="1720184"/>
             <a:ext cx="10866120" cy="4486275"/>
           </a:xfrm>
         </p:spPr>
